--- a/ゼミ発表資料/1821005_1108.pptx
+++ b/ゼミ発表資料/1821005_1108.pptx
@@ -5,7 +5,7 @@
     <p:sldMasterId id="2147483660" r:id="rId1"/>
   </p:sldMasterIdLst>
   <p:notesMasterIdLst>
-    <p:notesMasterId r:id="rId21"/>
+    <p:notesMasterId r:id="rId22"/>
   </p:notesMasterIdLst>
   <p:sldIdLst>
     <p:sldId id="256" r:id="rId2"/>
@@ -26,7 +26,8 @@
     <p:sldId id="274" r:id="rId17"/>
     <p:sldId id="275" r:id="rId18"/>
     <p:sldId id="277" r:id="rId19"/>
-    <p:sldId id="276" r:id="rId20"/>
+    <p:sldId id="278" r:id="rId20"/>
+    <p:sldId id="276" r:id="rId21"/>
   </p:sldIdLst>
   <p:sldSz cx="9144000" cy="6858000" type="screen4x3"/>
   <p:notesSz cx="6858000" cy="9144000"/>
@@ -883,7 +884,7 @@
           <a:bodyPr/>
           <a:lstStyle/>
           <a:p>
-            <a:fld id="{846D6417-1153-44BA-8EEF-87479709403F}" type="datetimeFigureOut">
+            <a:fld id="{F97256E2-A65E-4B77-B264-911586924883}" type="datetime1">
               <a:rPr kumimoji="1" lang="ja-JP" altLang="en-US" smtClean="0"/>
               <a:t>2021/11/8</a:t>
             </a:fld>
@@ -1085,7 +1086,7 @@
           <a:bodyPr/>
           <a:lstStyle/>
           <a:p>
-            <a:fld id="{846D6417-1153-44BA-8EEF-87479709403F}" type="datetimeFigureOut">
+            <a:fld id="{7D14B865-5DC8-45B1-AA67-F8656352C909}" type="datetime1">
               <a:rPr kumimoji="1" lang="ja-JP" altLang="en-US" smtClean="0"/>
               <a:t>2021/11/8</a:t>
             </a:fld>
@@ -1297,7 +1298,7 @@
           <a:bodyPr/>
           <a:lstStyle/>
           <a:p>
-            <a:fld id="{846D6417-1153-44BA-8EEF-87479709403F}" type="datetimeFigureOut">
+            <a:fld id="{02A15EFD-2DFF-458B-A902-73BF4EFB1164}" type="datetime1">
               <a:rPr kumimoji="1" lang="ja-JP" altLang="en-US" smtClean="0"/>
               <a:t>2021/11/8</a:t>
             </a:fld>
@@ -1499,7 +1500,7 @@
           <a:bodyPr/>
           <a:lstStyle/>
           <a:p>
-            <a:fld id="{846D6417-1153-44BA-8EEF-87479709403F}" type="datetimeFigureOut">
+            <a:fld id="{9EBF459C-F29A-4B20-A8B3-856EFF20B301}" type="datetime1">
               <a:rPr kumimoji="1" lang="ja-JP" altLang="en-US" smtClean="0"/>
               <a:t>2021/11/8</a:t>
             </a:fld>
@@ -1743,7 +1744,7 @@
           <a:bodyPr/>
           <a:lstStyle/>
           <a:p>
-            <a:fld id="{846D6417-1153-44BA-8EEF-87479709403F}" type="datetimeFigureOut">
+            <a:fld id="{E2F1D19E-D3ED-426D-8C0C-A7E859C70D82}" type="datetime1">
               <a:rPr kumimoji="1" lang="ja-JP" altLang="en-US" smtClean="0"/>
               <a:t>2021/11/8</a:t>
             </a:fld>
@@ -2039,7 +2040,7 @@
           <a:bodyPr/>
           <a:lstStyle/>
           <a:p>
-            <a:fld id="{846D6417-1153-44BA-8EEF-87479709403F}" type="datetimeFigureOut">
+            <a:fld id="{AC85B4AF-0CA0-4CE4-B5F2-9615981BDB42}" type="datetime1">
               <a:rPr kumimoji="1" lang="ja-JP" altLang="en-US" smtClean="0"/>
               <a:t>2021/11/8</a:t>
             </a:fld>
@@ -2470,7 +2471,7 @@
           <a:bodyPr/>
           <a:lstStyle/>
           <a:p>
-            <a:fld id="{846D6417-1153-44BA-8EEF-87479709403F}" type="datetimeFigureOut">
+            <a:fld id="{41CEF983-C0A5-4267-8E2C-E552BBDE4CE2}" type="datetime1">
               <a:rPr kumimoji="1" lang="ja-JP" altLang="en-US" smtClean="0"/>
               <a:t>2021/11/8</a:t>
             </a:fld>
@@ -2588,7 +2589,7 @@
           <a:bodyPr/>
           <a:lstStyle/>
           <a:p>
-            <a:fld id="{846D6417-1153-44BA-8EEF-87479709403F}" type="datetimeFigureOut">
+            <a:fld id="{88BDB93D-AD42-430C-B431-09BCC7ABE956}" type="datetime1">
               <a:rPr kumimoji="1" lang="ja-JP" altLang="en-US" smtClean="0"/>
               <a:t>2021/11/8</a:t>
             </a:fld>
@@ -2683,7 +2684,7 @@
           <a:bodyPr/>
           <a:lstStyle/>
           <a:p>
-            <a:fld id="{846D6417-1153-44BA-8EEF-87479709403F}" type="datetimeFigureOut">
+            <a:fld id="{D271579B-5523-45D2-8886-921D1D44EEED}" type="datetime1">
               <a:rPr kumimoji="1" lang="ja-JP" altLang="en-US" smtClean="0"/>
               <a:t>2021/11/8</a:t>
             </a:fld>
@@ -2992,7 +2993,7 @@
           <a:bodyPr/>
           <a:lstStyle/>
           <a:p>
-            <a:fld id="{846D6417-1153-44BA-8EEF-87479709403F}" type="datetimeFigureOut">
+            <a:fld id="{0E7742D9-CD6D-4362-A175-904BAA441680}" type="datetime1">
               <a:rPr kumimoji="1" lang="ja-JP" altLang="en-US" smtClean="0"/>
               <a:t>2021/11/8</a:t>
             </a:fld>
@@ -3249,7 +3250,7 @@
           <a:bodyPr/>
           <a:lstStyle/>
           <a:p>
-            <a:fld id="{846D6417-1153-44BA-8EEF-87479709403F}" type="datetimeFigureOut">
+            <a:fld id="{81F08DD8-F1CF-472A-B406-5FCD361CD16E}" type="datetime1">
               <a:rPr kumimoji="1" lang="ja-JP" altLang="en-US" smtClean="0"/>
               <a:t>2021/11/8</a:t>
             </a:fld>
@@ -3494,7 +3495,7 @@
             </a:lvl1pPr>
           </a:lstStyle>
           <a:p>
-            <a:fld id="{846D6417-1153-44BA-8EEF-87479709403F}" type="datetimeFigureOut">
+            <a:fld id="{12578FE9-280D-4954-B807-C67AC8024AE2}" type="datetime1">
               <a:rPr kumimoji="1" lang="ja-JP" altLang="en-US" smtClean="0"/>
               <a:t>2021/11/8</a:t>
             </a:fld>
@@ -3601,6 +3602,7 @@
     <p:sldLayoutId id="2147483670" r:id="rId10"/>
     <p:sldLayoutId id="2147483671" r:id="rId11"/>
   </p:sldLayoutIdLst>
+  <p:hf hdr="0" ftr="0" dt="0"/>
   <p:txStyles>
     <p:titleStyle>
       <a:lvl1pPr algn="l" defTabSz="914400" rtl="0" eaLnBrk="1" latinLnBrk="0" hangingPunct="1">
@@ -3959,6 +3961,29 @@
           </a:p>
         </p:txBody>
       </p:sp>
+      <p:sp>
+        <p:nvSpPr>
+          <p:cNvPr id="4" name="スライド番号プレースホルダー 3"/>
+          <p:cNvSpPr>
+            <a:spLocks noGrp="1"/>
+          </p:cNvSpPr>
+          <p:nvPr>
+            <p:ph type="sldNum" sz="quarter" idx="12"/>
+          </p:nvPr>
+        </p:nvSpPr>
+        <p:spPr/>
+        <p:txBody>
+          <a:bodyPr/>
+          <a:lstStyle/>
+          <a:p>
+            <a:fld id="{768BF403-63E9-4BE6-AA0B-408C483EA9DC}" type="slidenum">
+              <a:rPr kumimoji="1" lang="ja-JP" altLang="en-US" smtClean="0"/>
+              <a:t>1</a:t>
+            </a:fld>
+            <a:endParaRPr kumimoji="1" lang="ja-JP" altLang="en-US"/>
+          </a:p>
+        </p:txBody>
+      </p:sp>
     </p:spTree>
     <p:extLst>
       <p:ext uri="{BB962C8B-B14F-4D97-AF65-F5344CB8AC3E}">
@@ -4489,6 +4514,29 @@
           </a:prstGeom>
         </p:spPr>
       </p:pic>
+      <p:sp>
+        <p:nvSpPr>
+          <p:cNvPr id="5" name="スライド番号プレースホルダー 4"/>
+          <p:cNvSpPr>
+            <a:spLocks noGrp="1"/>
+          </p:cNvSpPr>
+          <p:nvPr>
+            <p:ph type="sldNum" sz="quarter" idx="12"/>
+          </p:nvPr>
+        </p:nvSpPr>
+        <p:spPr/>
+        <p:txBody>
+          <a:bodyPr/>
+          <a:lstStyle/>
+          <a:p>
+            <a:fld id="{768BF403-63E9-4BE6-AA0B-408C483EA9DC}" type="slidenum">
+              <a:rPr kumimoji="1" lang="ja-JP" altLang="en-US" smtClean="0"/>
+              <a:t>11</a:t>
+            </a:fld>
+            <a:endParaRPr kumimoji="1" lang="ja-JP" altLang="en-US"/>
+          </a:p>
+        </p:txBody>
+      </p:sp>
     </p:spTree>
     <p:extLst>
       <p:ext uri="{BB962C8B-B14F-4D97-AF65-F5344CB8AC3E}">
@@ -4596,6 +4644,29 @@
           </a:prstGeom>
         </p:spPr>
       </p:pic>
+      <p:sp>
+        <p:nvSpPr>
+          <p:cNvPr id="5" name="スライド番号プレースホルダー 4"/>
+          <p:cNvSpPr>
+            <a:spLocks noGrp="1"/>
+          </p:cNvSpPr>
+          <p:nvPr>
+            <p:ph type="sldNum" sz="quarter" idx="12"/>
+          </p:nvPr>
+        </p:nvSpPr>
+        <p:spPr/>
+        <p:txBody>
+          <a:bodyPr/>
+          <a:lstStyle/>
+          <a:p>
+            <a:fld id="{768BF403-63E9-4BE6-AA0B-408C483EA9DC}" type="slidenum">
+              <a:rPr kumimoji="1" lang="ja-JP" altLang="en-US" smtClean="0"/>
+              <a:t>12</a:t>
+            </a:fld>
+            <a:endParaRPr kumimoji="1" lang="ja-JP" altLang="en-US"/>
+          </a:p>
+        </p:txBody>
+      </p:sp>
     </p:spTree>
     <p:extLst>
       <p:ext uri="{BB962C8B-B14F-4D97-AF65-F5344CB8AC3E}">
@@ -4815,6 +4886,29 @@
               <a:t>を使用．</a:t>
             </a:r>
             <a:endParaRPr lang="en-US" altLang="ja-JP" dirty="0" smtClean="0"/>
+          </a:p>
+        </p:txBody>
+      </p:sp>
+      <p:sp>
+        <p:nvSpPr>
+          <p:cNvPr id="4" name="スライド番号プレースホルダー 3"/>
+          <p:cNvSpPr>
+            <a:spLocks noGrp="1"/>
+          </p:cNvSpPr>
+          <p:nvPr>
+            <p:ph type="sldNum" sz="quarter" idx="12"/>
+          </p:nvPr>
+        </p:nvSpPr>
+        <p:spPr/>
+        <p:txBody>
+          <a:bodyPr/>
+          <a:lstStyle/>
+          <a:p>
+            <a:fld id="{768BF403-63E9-4BE6-AA0B-408C483EA9DC}" type="slidenum">
+              <a:rPr kumimoji="1" lang="ja-JP" altLang="en-US" smtClean="0"/>
+              <a:t>13</a:t>
+            </a:fld>
+            <a:endParaRPr kumimoji="1" lang="ja-JP" altLang="en-US"/>
           </a:p>
         </p:txBody>
       </p:sp>
@@ -4881,6 +4975,29 @@
           </a:prstGeom>
         </p:spPr>
       </p:pic>
+      <p:sp>
+        <p:nvSpPr>
+          <p:cNvPr id="2" name="スライド番号プレースホルダー 1"/>
+          <p:cNvSpPr>
+            <a:spLocks noGrp="1"/>
+          </p:cNvSpPr>
+          <p:nvPr>
+            <p:ph type="sldNum" sz="quarter" idx="12"/>
+          </p:nvPr>
+        </p:nvSpPr>
+        <p:spPr/>
+        <p:txBody>
+          <a:bodyPr/>
+          <a:lstStyle/>
+          <a:p>
+            <a:fld id="{768BF403-63E9-4BE6-AA0B-408C483EA9DC}" type="slidenum">
+              <a:rPr kumimoji="1" lang="ja-JP" altLang="en-US" smtClean="0"/>
+              <a:t>14</a:t>
+            </a:fld>
+            <a:endParaRPr kumimoji="1" lang="ja-JP" altLang="en-US"/>
+          </a:p>
+        </p:txBody>
+      </p:sp>
     </p:spTree>
     <p:extLst>
       <p:ext uri="{BB962C8B-B14F-4D97-AF65-F5344CB8AC3E}">
@@ -4973,6 +5090,29 @@
           </a:p>
         </p:txBody>
       </p:sp>
+      <p:sp>
+        <p:nvSpPr>
+          <p:cNvPr id="2" name="スライド番号プレースホルダー 1"/>
+          <p:cNvSpPr>
+            <a:spLocks noGrp="1"/>
+          </p:cNvSpPr>
+          <p:nvPr>
+            <p:ph type="sldNum" sz="quarter" idx="12"/>
+          </p:nvPr>
+        </p:nvSpPr>
+        <p:spPr/>
+        <p:txBody>
+          <a:bodyPr/>
+          <a:lstStyle/>
+          <a:p>
+            <a:fld id="{768BF403-63E9-4BE6-AA0B-408C483EA9DC}" type="slidenum">
+              <a:rPr kumimoji="1" lang="ja-JP" altLang="en-US" smtClean="0"/>
+              <a:t>15</a:t>
+            </a:fld>
+            <a:endParaRPr kumimoji="1" lang="ja-JP" altLang="en-US"/>
+          </a:p>
+        </p:txBody>
+      </p:sp>
     </p:spTree>
     <p:extLst>
       <p:ext uri="{BB962C8B-B14F-4D97-AF65-F5344CB8AC3E}">
@@ -5102,6 +5242,29 @@
           </a:prstGeom>
         </p:spPr>
       </p:pic>
+      <p:sp>
+        <p:nvSpPr>
+          <p:cNvPr id="5" name="スライド番号プレースホルダー 4"/>
+          <p:cNvSpPr>
+            <a:spLocks noGrp="1"/>
+          </p:cNvSpPr>
+          <p:nvPr>
+            <p:ph type="sldNum" sz="quarter" idx="12"/>
+          </p:nvPr>
+        </p:nvSpPr>
+        <p:spPr/>
+        <p:txBody>
+          <a:bodyPr/>
+          <a:lstStyle/>
+          <a:p>
+            <a:fld id="{768BF403-63E9-4BE6-AA0B-408C483EA9DC}" type="slidenum">
+              <a:rPr kumimoji="1" lang="ja-JP" altLang="en-US" smtClean="0"/>
+              <a:t>16</a:t>
+            </a:fld>
+            <a:endParaRPr kumimoji="1" lang="ja-JP" altLang="en-US"/>
+          </a:p>
+        </p:txBody>
+      </p:sp>
     </p:spTree>
     <p:extLst>
       <p:ext uri="{BB962C8B-B14F-4D97-AF65-F5344CB8AC3E}">
@@ -5492,6 +5655,29 @@
           </a:graphicData>
         </a:graphic>
       </p:graphicFrame>
+      <p:sp>
+        <p:nvSpPr>
+          <p:cNvPr id="6" name="スライド番号プレースホルダー 5"/>
+          <p:cNvSpPr>
+            <a:spLocks noGrp="1"/>
+          </p:cNvSpPr>
+          <p:nvPr>
+            <p:ph type="sldNum" sz="quarter" idx="12"/>
+          </p:nvPr>
+        </p:nvSpPr>
+        <p:spPr/>
+        <p:txBody>
+          <a:bodyPr/>
+          <a:lstStyle/>
+          <a:p>
+            <a:fld id="{768BF403-63E9-4BE6-AA0B-408C483EA9DC}" type="slidenum">
+              <a:rPr kumimoji="1" lang="ja-JP" altLang="en-US" smtClean="0"/>
+              <a:t>17</a:t>
+            </a:fld>
+            <a:endParaRPr kumimoji="1" lang="ja-JP" altLang="en-US"/>
+          </a:p>
+        </p:txBody>
+      </p:sp>
     </p:spTree>
     <p:extLst>
       <p:ext uri="{BB962C8B-B14F-4D97-AF65-F5344CB8AC3E}">
@@ -5582,10 +5768,71 @@
           </a:p>
           <a:p>
             <a:r>
+              <a:rPr kumimoji="1" lang="ja-JP" altLang="en-US" dirty="0" smtClean="0"/>
+              <a:t>今週，指定した層のみのベクトルを抽出することができた．</a:t>
+            </a:r>
+            <a:endParaRPr kumimoji="1" lang="en-US" altLang="ja-JP" dirty="0" smtClean="0"/>
+          </a:p>
+          <a:p>
+            <a:pPr lvl="1"/>
+            <a:endParaRPr lang="en-US" altLang="ja-JP" dirty="0"/>
+          </a:p>
+          <a:p>
+            <a:pPr lvl="1"/>
+            <a:r>
+              <a:rPr lang="en-US" altLang="ja-JP" dirty="0">
+                <a:hlinkClick r:id="rId2"/>
+              </a:rPr>
+              <a:t>1821005-yoshioka-thesis/</a:t>
+            </a:r>
+            <a:r>
+              <a:rPr lang="en-US" altLang="ja-JP" dirty="0" err="1">
+                <a:hlinkClick r:id="rId2"/>
+              </a:rPr>
+              <a:t>pred_vector_storage.ipynb</a:t>
+            </a:r>
+            <a:r>
+              <a:rPr lang="en-US" altLang="ja-JP" dirty="0">
+                <a:hlinkClick r:id="rId2"/>
+              </a:rPr>
+              <a:t> at main · </a:t>
+            </a:r>
+            <a:r>
+              <a:rPr lang="en-US" altLang="ja-JP" dirty="0" err="1">
+                <a:hlinkClick r:id="rId2"/>
+              </a:rPr>
+              <a:t>kait-takanolab</a:t>
+            </a:r>
+            <a:r>
+              <a:rPr lang="en-US" altLang="ja-JP" dirty="0">
+                <a:hlinkClick r:id="rId2"/>
+              </a:rPr>
+              <a:t>/1821005-yoshioka-thesis (github.com)</a:t>
+            </a:r>
+            <a:endParaRPr kumimoji="1" lang="ja-JP" altLang="en-US" dirty="0"/>
+          </a:p>
+        </p:txBody>
+      </p:sp>
+      <p:sp>
+        <p:nvSpPr>
+          <p:cNvPr id="4" name="スライド番号プレースホルダー 3"/>
+          <p:cNvSpPr>
+            <a:spLocks noGrp="1"/>
+          </p:cNvSpPr>
+          <p:nvPr>
+            <p:ph type="sldNum" sz="quarter" idx="12"/>
+          </p:nvPr>
+        </p:nvSpPr>
+        <p:spPr/>
+        <p:txBody>
+          <a:bodyPr/>
+          <a:lstStyle/>
+          <a:p>
+            <a:fld id="{768BF403-63E9-4BE6-AA0B-408C483EA9DC}" type="slidenum">
               <a:rPr kumimoji="1" lang="ja-JP" altLang="en-US" smtClean="0"/>
-              <a:t>今週，指定した層のみのベクトルを抽出することができた．</a:t>
-            </a:r>
-            <a:endParaRPr kumimoji="1" lang="ja-JP" altLang="en-US" dirty="0"/>
+              <a:t>18</a:t>
+            </a:fld>
+            <a:endParaRPr kumimoji="1" lang="ja-JP" altLang="en-US"/>
           </a:p>
         </p:txBody>
       </p:sp>
@@ -5599,6 +5846,13 @@
   <p:clrMapOvr>
     <a:masterClrMapping/>
   </p:clrMapOvr>
+  <p:timing>
+    <p:tnLst>
+      <p:par>
+        <p:cTn id="1" dur="indefinite" restart="never" nodeType="tmRoot"/>
+      </p:par>
+    </p:tnLst>
+  </p:timing>
 </p:sld>
 </file>
 
@@ -5634,10 +5888,6 @@
           <a:bodyPr/>
           <a:lstStyle/>
           <a:p>
-            <a:r>
-              <a:rPr kumimoji="1" lang="ja-JP" altLang="en-US" dirty="0" smtClean="0"/>
-              <a:t>課題点</a:t>
-            </a:r>
             <a:endParaRPr kumimoji="1" lang="ja-JP" altLang="en-US" dirty="0"/>
           </a:p>
         </p:txBody>
@@ -5657,21 +5907,37 @@
           <a:bodyPr/>
           <a:lstStyle/>
           <a:p>
-            <a:r>
-              <a:rPr kumimoji="1" lang="ja-JP" altLang="en-US" dirty="0" smtClean="0"/>
-              <a:t>指定した範囲の層，すべての層の予測ベクトルが出てしまっている状態．</a:t>
-            </a:r>
-            <a:endParaRPr kumimoji="1" lang="en-US" altLang="ja-JP" dirty="0" smtClean="0"/>
-          </a:p>
-          <a:p>
-            <a:endParaRPr kumimoji="1" lang="ja-JP" altLang="en-US" dirty="0"/>
+            <a:endParaRPr kumimoji="1" lang="ja-JP" altLang="en-US"/>
+          </a:p>
+        </p:txBody>
+      </p:sp>
+      <p:sp>
+        <p:nvSpPr>
+          <p:cNvPr id="4" name="スライド番号プレースホルダー 3"/>
+          <p:cNvSpPr>
+            <a:spLocks noGrp="1"/>
+          </p:cNvSpPr>
+          <p:nvPr>
+            <p:ph type="sldNum" sz="quarter" idx="12"/>
+          </p:nvPr>
+        </p:nvSpPr>
+        <p:spPr/>
+        <p:txBody>
+          <a:bodyPr/>
+          <a:lstStyle/>
+          <a:p>
+            <a:fld id="{768BF403-63E9-4BE6-AA0B-408C483EA9DC}" type="slidenum">
+              <a:rPr kumimoji="1" lang="ja-JP" altLang="en-US" smtClean="0"/>
+              <a:t>19</a:t>
+            </a:fld>
+            <a:endParaRPr kumimoji="1" lang="ja-JP" altLang="en-US"/>
           </a:p>
         </p:txBody>
       </p:sp>
     </p:spTree>
     <p:extLst>
       <p:ext uri="{BB962C8B-B14F-4D97-AF65-F5344CB8AC3E}">
-        <p14:creationId xmlns:p14="http://schemas.microsoft.com/office/powerpoint/2010/main" val="2434178047"/>
+        <p14:creationId xmlns:p14="http://schemas.microsoft.com/office/powerpoint/2010/main" val="3408101405"/>
       </p:ext>
     </p:extLst>
   </p:cSld>
@@ -5689,6 +5955,742 @@
 </file>
 
 <file path=ppt/slides/slide2.xml><?xml version="1.0" encoding="utf-8"?>
+<p:sld xmlns:a="http://schemas.openxmlformats.org/drawingml/2006/main" xmlns:r="http://schemas.openxmlformats.org/officeDocument/2006/relationships" xmlns:p="http://schemas.openxmlformats.org/presentationml/2006/main" show="0">
+  <p:cSld>
+    <p:spTree>
+      <p:nvGrpSpPr>
+        <p:cNvPr id="1" name=""/>
+        <p:cNvGrpSpPr/>
+        <p:nvPr/>
+      </p:nvGrpSpPr>
+      <p:grpSpPr>
+        <a:xfrm>
+          <a:off x="0" y="0"/>
+          <a:ext cx="0" cy="0"/>
+          <a:chOff x="0" y="0"/>
+          <a:chExt cx="0" cy="0"/>
+        </a:xfrm>
+      </p:grpSpPr>
+      <p:sp>
+        <p:nvSpPr>
+          <p:cNvPr id="2" name="タイトル 1"/>
+          <p:cNvSpPr>
+            <a:spLocks noGrp="1"/>
+          </p:cNvSpPr>
+          <p:nvPr>
+            <p:ph type="title"/>
+          </p:nvPr>
+        </p:nvSpPr>
+        <p:spPr/>
+        <p:txBody>
+          <a:bodyPr/>
+          <a:lstStyle/>
+          <a:p>
+            <a:r>
+              <a:rPr kumimoji="1" lang="ja-JP" altLang="en-US" dirty="0"/>
+              <a:t>関連研究</a:t>
+            </a:r>
+          </a:p>
+        </p:txBody>
+      </p:sp>
+      <p:sp>
+        <p:nvSpPr>
+          <p:cNvPr id="3" name="コンテンツ プレースホルダー 2"/>
+          <p:cNvSpPr>
+            <a:spLocks noGrp="1"/>
+          </p:cNvSpPr>
+          <p:nvPr>
+            <p:ph idx="1"/>
+          </p:nvPr>
+        </p:nvSpPr>
+        <p:spPr/>
+        <p:txBody>
+          <a:bodyPr>
+            <a:normAutofit lnSpcReduction="10000"/>
+          </a:bodyPr>
+          <a:lstStyle/>
+          <a:p>
+            <a:r>
+              <a:rPr lang="ja-JP" altLang="en-US" sz="1800" dirty="0">
+                <a:latin typeface="+mj-ea"/>
+                <a:ea typeface="+mj-ea"/>
+              </a:rPr>
+              <a:t>深層学習による画像</a:t>
+            </a:r>
+            <a:r>
+              <a:rPr lang="ja-JP" altLang="en-US" sz="1800" dirty="0" smtClean="0">
+                <a:latin typeface="+mj-ea"/>
+                <a:ea typeface="+mj-ea"/>
+              </a:rPr>
+              <a:t>認識，特徴量抽出</a:t>
+            </a:r>
+            <a:r>
+              <a:rPr lang="en-US" altLang="ja-JP" sz="1800" dirty="0">
+                <a:latin typeface="+mj-ea"/>
+                <a:ea typeface="+mj-ea"/>
+              </a:rPr>
+              <a:t/>
+            </a:r>
+            <a:br>
+              <a:rPr lang="en-US" altLang="ja-JP" sz="1800" dirty="0">
+                <a:latin typeface="+mj-ea"/>
+                <a:ea typeface="+mj-ea"/>
+              </a:rPr>
+            </a:br>
+            <a:r>
+              <a:rPr lang="en-US" altLang="ja-JP" sz="1800" dirty="0">
+                <a:latin typeface="+mj-ea"/>
+                <a:ea typeface="+mj-ea"/>
+              </a:rPr>
+              <a:t>[</a:t>
+            </a:r>
+            <a:r>
+              <a:rPr lang="ja-JP" altLang="en-US" sz="1800" dirty="0">
+                <a:latin typeface="+mj-ea"/>
+                <a:ea typeface="+mj-ea"/>
+              </a:rPr>
+              <a:t>中山</a:t>
+            </a:r>
+            <a:r>
+              <a:rPr lang="en-US" altLang="ja-JP" sz="1800" dirty="0">
+                <a:latin typeface="+mj-ea"/>
+                <a:ea typeface="+mj-ea"/>
+              </a:rPr>
+              <a:t>2015] </a:t>
+            </a:r>
+            <a:r>
+              <a:rPr lang="ja-JP" altLang="en-US" sz="1800" dirty="0">
+                <a:latin typeface="+mj-ea"/>
+                <a:ea typeface="+mj-ea"/>
+              </a:rPr>
+              <a:t>中山秀樹，「深層畳み込みニューラルネットワークによる画像特徴抽出と転移学習」，信学技報，</a:t>
+            </a:r>
+            <a:r>
+              <a:rPr lang="en-US" altLang="ja-JP" sz="1800" dirty="0">
+                <a:latin typeface="+mj-ea"/>
+                <a:ea typeface="+mj-ea"/>
+              </a:rPr>
+              <a:t>pp.1-pp.6</a:t>
+            </a:r>
+            <a:r>
+              <a:rPr lang="ja-JP" altLang="en-US" sz="1800" dirty="0">
+                <a:latin typeface="+mj-ea"/>
+                <a:ea typeface="+mj-ea"/>
+              </a:rPr>
+              <a:t>，</a:t>
+            </a:r>
+            <a:r>
+              <a:rPr lang="en-US" altLang="ja-JP" sz="1800" dirty="0">
+                <a:latin typeface="+mj-ea"/>
+                <a:ea typeface="+mj-ea"/>
+              </a:rPr>
+              <a:t>2015</a:t>
+            </a:r>
+          </a:p>
+          <a:p>
+            <a:endParaRPr kumimoji="1" lang="en-US" altLang="ja-JP" sz="1800" dirty="0">
+              <a:latin typeface="+mj-ea"/>
+              <a:ea typeface="+mj-ea"/>
+            </a:endParaRPr>
+          </a:p>
+          <a:p>
+            <a:r>
+              <a:rPr kumimoji="1" lang="en-US" altLang="ja-JP" sz="1800" dirty="0">
+                <a:latin typeface="+mj-ea"/>
+                <a:ea typeface="+mj-ea"/>
+              </a:rPr>
+              <a:t>SIFT</a:t>
+            </a:r>
+            <a:r>
+              <a:rPr kumimoji="1" lang="ja-JP" altLang="en-US" sz="1800" dirty="0">
+                <a:latin typeface="+mj-ea"/>
+                <a:ea typeface="+mj-ea"/>
+              </a:rPr>
+              <a:t>による画像特徴抽出</a:t>
+            </a:r>
+            <a:r>
+              <a:rPr kumimoji="1" lang="en-US" altLang="ja-JP" sz="1800" dirty="0">
+                <a:latin typeface="+mj-ea"/>
+                <a:ea typeface="+mj-ea"/>
+              </a:rPr>
+              <a:t/>
+            </a:r>
+            <a:br>
+              <a:rPr kumimoji="1" lang="en-US" altLang="ja-JP" sz="1800" dirty="0">
+                <a:latin typeface="+mj-ea"/>
+                <a:ea typeface="+mj-ea"/>
+              </a:rPr>
+            </a:br>
+            <a:r>
+              <a:rPr kumimoji="1" lang="en-US" altLang="ja-JP" sz="1800" dirty="0">
+                <a:latin typeface="+mj-ea"/>
+                <a:ea typeface="+mj-ea"/>
+              </a:rPr>
+              <a:t>[</a:t>
+            </a:r>
+            <a:r>
+              <a:rPr kumimoji="1" lang="ja-JP" altLang="en-US" sz="1800" dirty="0">
+                <a:latin typeface="+mj-ea"/>
+                <a:ea typeface="+mj-ea"/>
+              </a:rPr>
+              <a:t>藤吉</a:t>
+            </a:r>
+            <a:r>
+              <a:rPr kumimoji="1" lang="en-US" altLang="ja-JP" sz="1800" dirty="0">
+                <a:latin typeface="+mj-ea"/>
+                <a:ea typeface="+mj-ea"/>
+              </a:rPr>
+              <a:t>2007</a:t>
+            </a:r>
+            <a:r>
+              <a:rPr kumimoji="1" lang="en-US" altLang="ja-JP" sz="1800" dirty="0" smtClean="0">
+                <a:latin typeface="+mj-ea"/>
+                <a:ea typeface="+mj-ea"/>
+              </a:rPr>
+              <a:t>]</a:t>
+            </a:r>
+            <a:r>
+              <a:rPr kumimoji="1" lang="ja-JP" altLang="en-US" sz="1800" dirty="0" smtClean="0">
+                <a:latin typeface="+mj-ea"/>
+                <a:ea typeface="+mj-ea"/>
+              </a:rPr>
+              <a:t>　</a:t>
+            </a:r>
+            <a:r>
+              <a:rPr lang="ja-JP" altLang="en-US" sz="1800" dirty="0" smtClean="0">
+                <a:latin typeface="+mj-ea"/>
+                <a:ea typeface="+mj-ea"/>
+              </a:rPr>
+              <a:t>藤吉 </a:t>
+            </a:r>
+            <a:r>
+              <a:rPr lang="ja-JP" altLang="en-US" sz="1800" dirty="0">
+                <a:latin typeface="+mj-ea"/>
+                <a:ea typeface="+mj-ea"/>
+              </a:rPr>
+              <a:t>弘</a:t>
+            </a:r>
+            <a:r>
+              <a:rPr lang="ja-JP" altLang="en-US" sz="1800" dirty="0" smtClean="0">
+                <a:latin typeface="+mj-ea"/>
+                <a:ea typeface="+mj-ea"/>
+              </a:rPr>
+              <a:t>亘，</a:t>
+            </a:r>
+            <a:r>
+              <a:rPr kumimoji="1" lang="ja-JP" altLang="en-US" sz="1800" dirty="0" smtClean="0">
+                <a:latin typeface="+mj-ea"/>
+                <a:ea typeface="+mj-ea"/>
+              </a:rPr>
+              <a:t>「</a:t>
+            </a:r>
+            <a:r>
+              <a:rPr kumimoji="1" lang="en-US" altLang="ja-JP" sz="1800" dirty="0">
+                <a:latin typeface="+mj-ea"/>
+                <a:ea typeface="+mj-ea"/>
+              </a:rPr>
+              <a:t>Gradient</a:t>
+            </a:r>
+            <a:r>
+              <a:rPr kumimoji="1" lang="ja-JP" altLang="en-US" sz="1800" dirty="0">
+                <a:latin typeface="+mj-ea"/>
+                <a:ea typeface="+mj-ea"/>
+              </a:rPr>
+              <a:t>ベースの特徴抽出　</a:t>
+            </a:r>
+            <a:r>
+              <a:rPr kumimoji="1" lang="en-US" altLang="ja-JP" sz="1800" dirty="0">
+                <a:latin typeface="+mj-ea"/>
+                <a:ea typeface="+mj-ea"/>
+              </a:rPr>
+              <a:t>–SIFT</a:t>
+            </a:r>
+            <a:r>
+              <a:rPr kumimoji="1" lang="ja-JP" altLang="en-US" sz="1800" dirty="0">
+                <a:latin typeface="+mj-ea"/>
+                <a:ea typeface="+mj-ea"/>
+              </a:rPr>
+              <a:t>と</a:t>
+            </a:r>
+            <a:r>
+              <a:rPr kumimoji="1" lang="en-US" altLang="ja-JP" sz="1800" dirty="0">
+                <a:latin typeface="+mj-ea"/>
+                <a:ea typeface="+mj-ea"/>
+              </a:rPr>
+              <a:t>HOG-</a:t>
+            </a:r>
+            <a:r>
+              <a:rPr kumimoji="1" lang="ja-JP" altLang="en-US" sz="1800" dirty="0" smtClean="0">
+                <a:latin typeface="+mj-ea"/>
+                <a:ea typeface="+mj-ea"/>
+              </a:rPr>
+              <a:t>」</a:t>
+            </a:r>
+            <a:r>
+              <a:rPr lang="ja-JP" altLang="en-US" sz="1800" dirty="0">
+                <a:latin typeface="+mj-ea"/>
+                <a:ea typeface="+mj-ea"/>
+              </a:rPr>
+              <a:t>，</a:t>
+            </a:r>
+            <a:r>
+              <a:rPr kumimoji="1" lang="ja-JP" altLang="en-US" sz="1800" dirty="0" smtClean="0">
+                <a:latin typeface="+mj-ea"/>
+                <a:ea typeface="+mj-ea"/>
+              </a:rPr>
+              <a:t>社団法人　情報</a:t>
+            </a:r>
+            <a:r>
+              <a:rPr kumimoji="1" lang="ja-JP" altLang="en-US" sz="1800" dirty="0">
+                <a:latin typeface="+mj-ea"/>
+                <a:ea typeface="+mj-ea"/>
+              </a:rPr>
+              <a:t>処理学会　研究</a:t>
+            </a:r>
+            <a:r>
+              <a:rPr kumimoji="1" lang="ja-JP" altLang="en-US" sz="1800" dirty="0" smtClean="0">
+                <a:latin typeface="+mj-ea"/>
+                <a:ea typeface="+mj-ea"/>
+              </a:rPr>
+              <a:t>報告，</a:t>
+            </a:r>
+            <a:r>
+              <a:rPr kumimoji="1" lang="en-US" altLang="ja-JP" sz="1800" dirty="0" smtClean="0">
+                <a:latin typeface="+mj-ea"/>
+                <a:ea typeface="+mj-ea"/>
+              </a:rPr>
+              <a:t>pp.1-pp.14</a:t>
+            </a:r>
+            <a:r>
+              <a:rPr lang="ja-JP" altLang="en-US" sz="1800" dirty="0" err="1">
+                <a:latin typeface="+mj-ea"/>
+                <a:ea typeface="+mj-ea"/>
+              </a:rPr>
+              <a:t>，</a:t>
+            </a:r>
+            <a:r>
+              <a:rPr lang="en-US" altLang="ja-JP" sz="1800" dirty="0" smtClean="0">
+                <a:latin typeface="+mj-ea"/>
+              </a:rPr>
+              <a:t>2007/9/4</a:t>
+            </a:r>
+            <a:endParaRPr kumimoji="1" lang="en-US" altLang="ja-JP" sz="1800" dirty="0">
+              <a:latin typeface="+mj-ea"/>
+              <a:ea typeface="+mj-ea"/>
+            </a:endParaRPr>
+          </a:p>
+          <a:p>
+            <a:pPr marL="0" indent="0">
+              <a:buNone/>
+            </a:pPr>
+            <a:r>
+              <a:rPr lang="ja-JP" altLang="en-US" sz="1800" dirty="0">
+                <a:latin typeface="+mj-ea"/>
+                <a:ea typeface="+mj-ea"/>
+              </a:rPr>
+              <a:t>　　</a:t>
+            </a:r>
+            <a:endParaRPr kumimoji="1" lang="en-US" altLang="ja-JP" sz="1800" dirty="0">
+              <a:latin typeface="+mj-ea"/>
+              <a:ea typeface="+mj-ea"/>
+            </a:endParaRPr>
+          </a:p>
+          <a:p>
+            <a:r>
+              <a:rPr lang="ja-JP" altLang="en-US" sz="1800" dirty="0">
+                <a:latin typeface="+mj-ea"/>
+                <a:ea typeface="+mj-ea"/>
+              </a:rPr>
+              <a:t>深層学習と</a:t>
+            </a:r>
+            <a:r>
+              <a:rPr lang="en-US" altLang="ja-JP" sz="1800" dirty="0">
+                <a:latin typeface="+mj-ea"/>
+                <a:ea typeface="+mj-ea"/>
+              </a:rPr>
+              <a:t>SIFT</a:t>
+            </a:r>
+            <a:r>
+              <a:rPr lang="ja-JP" altLang="en-US" sz="1800" dirty="0">
+                <a:latin typeface="+mj-ea"/>
+                <a:ea typeface="+mj-ea"/>
+              </a:rPr>
+              <a:t>の性能評価</a:t>
+            </a:r>
+            <a:r>
+              <a:rPr lang="en-US" altLang="ja-JP" sz="1800" dirty="0">
+                <a:latin typeface="+mj-ea"/>
+                <a:ea typeface="+mj-ea"/>
+              </a:rPr>
+              <a:t/>
+            </a:r>
+            <a:br>
+              <a:rPr lang="en-US" altLang="ja-JP" sz="1800" dirty="0">
+                <a:latin typeface="+mj-ea"/>
+                <a:ea typeface="+mj-ea"/>
+              </a:rPr>
+            </a:br>
+            <a:r>
+              <a:rPr lang="en-US" altLang="ja-JP" sz="1800" dirty="0">
+                <a:latin typeface="+mj-ea"/>
+                <a:ea typeface="+mj-ea"/>
+              </a:rPr>
+              <a:t>[Ke2016</a:t>
+            </a:r>
+            <a:r>
+              <a:rPr lang="en-US" altLang="ja-JP" sz="1800" dirty="0" smtClean="0">
+                <a:latin typeface="+mj-ea"/>
+                <a:ea typeface="+mj-ea"/>
+              </a:rPr>
+              <a:t>]</a:t>
+            </a:r>
+            <a:r>
+              <a:rPr lang="en-US" altLang="ja-JP" sz="1800" dirty="0">
+                <a:latin typeface="+mj-ea"/>
+              </a:rPr>
+              <a:t> </a:t>
+            </a:r>
+            <a:r>
+              <a:rPr lang="en-US" altLang="ja-JP" sz="1800" dirty="0" err="1">
+                <a:latin typeface="+mj-ea"/>
+              </a:rPr>
+              <a:t>Ke</a:t>
+            </a:r>
+            <a:r>
+              <a:rPr lang="en-US" altLang="ja-JP" sz="1800" dirty="0">
+                <a:latin typeface="+mj-ea"/>
+              </a:rPr>
+              <a:t> </a:t>
+            </a:r>
+            <a:r>
+              <a:rPr lang="en-US" altLang="ja-JP" sz="1800" dirty="0" smtClean="0">
+                <a:latin typeface="+mj-ea"/>
+              </a:rPr>
+              <a:t>Yan</a:t>
+            </a:r>
+            <a:r>
+              <a:rPr lang="ja-JP" altLang="en-US" sz="1800" dirty="0" err="1" smtClean="0">
+                <a:latin typeface="+mj-ea"/>
+              </a:rPr>
+              <a:t>，</a:t>
+            </a:r>
+            <a:r>
+              <a:rPr lang="en-US" altLang="ja-JP" sz="1800" dirty="0" err="1" smtClean="0">
+                <a:latin typeface="+mj-ea"/>
+              </a:rPr>
+              <a:t>Yaowei</a:t>
+            </a:r>
+            <a:r>
+              <a:rPr lang="en-US" altLang="ja-JP" sz="1800" dirty="0" smtClean="0">
+                <a:latin typeface="+mj-ea"/>
+              </a:rPr>
+              <a:t> </a:t>
+            </a:r>
+            <a:r>
+              <a:rPr lang="en-US" altLang="ja-JP" sz="1800" dirty="0">
+                <a:latin typeface="+mj-ea"/>
+              </a:rPr>
+              <a:t>Wang</a:t>
+            </a:r>
+            <a:r>
+              <a:rPr lang="en-US" altLang="ja-JP" sz="800" dirty="0" smtClean="0">
+                <a:latin typeface="+mj-ea"/>
+              </a:rPr>
+              <a:t>;</a:t>
+            </a:r>
+            <a:r>
+              <a:rPr lang="ja-JP" altLang="en-US" sz="1800" dirty="0">
+                <a:latin typeface="+mj-ea"/>
+              </a:rPr>
+              <a:t>，</a:t>
+            </a:r>
+            <a:r>
+              <a:rPr lang="en-US" altLang="ja-JP" sz="1800" dirty="0" smtClean="0">
+                <a:latin typeface="+mj-ea"/>
+              </a:rPr>
+              <a:t> </a:t>
+            </a:r>
+            <a:r>
+              <a:rPr lang="en-US" altLang="ja-JP" sz="1800" dirty="0" err="1">
+                <a:latin typeface="+mj-ea"/>
+              </a:rPr>
+              <a:t>Dawei</a:t>
+            </a:r>
+            <a:r>
+              <a:rPr lang="en-US" altLang="ja-JP" sz="1800" dirty="0">
+                <a:latin typeface="+mj-ea"/>
+              </a:rPr>
+              <a:t> </a:t>
+            </a:r>
+            <a:r>
+              <a:rPr lang="en-US" altLang="ja-JP" sz="1800" dirty="0" smtClean="0">
+                <a:latin typeface="+mj-ea"/>
+              </a:rPr>
+              <a:t>Liang</a:t>
+            </a:r>
+            <a:r>
+              <a:rPr lang="ja-JP" altLang="en-US" sz="1800" dirty="0" err="1" smtClean="0">
+                <a:latin typeface="+mj-ea"/>
+              </a:rPr>
+              <a:t>，</a:t>
+            </a:r>
+            <a:r>
+              <a:rPr lang="en-US" altLang="ja-JP" sz="1800" dirty="0" smtClean="0">
+                <a:latin typeface="+mj-ea"/>
+              </a:rPr>
+              <a:t> </a:t>
+            </a:r>
+            <a:r>
+              <a:rPr lang="en-US" altLang="ja-JP" sz="1800" dirty="0" err="1">
+                <a:latin typeface="+mj-ea"/>
+              </a:rPr>
+              <a:t>Tiejun</a:t>
+            </a:r>
+            <a:r>
+              <a:rPr lang="en-US" altLang="ja-JP" sz="1800" dirty="0">
+                <a:latin typeface="+mj-ea"/>
+              </a:rPr>
+              <a:t> </a:t>
+            </a:r>
+            <a:r>
+              <a:rPr lang="en-US" altLang="ja-JP" sz="1800" dirty="0" smtClean="0">
+                <a:latin typeface="+mj-ea"/>
+              </a:rPr>
+              <a:t>Huang</a:t>
+            </a:r>
+            <a:r>
+              <a:rPr lang="ja-JP" altLang="en-US" sz="1800" dirty="0" err="1" smtClean="0">
+                <a:latin typeface="+mj-ea"/>
+              </a:rPr>
+              <a:t>，</a:t>
+            </a:r>
+            <a:r>
+              <a:rPr lang="en-US" altLang="ja-JP" sz="1800" dirty="0" err="1" smtClean="0">
+                <a:latin typeface="+mj-ea"/>
+              </a:rPr>
+              <a:t>Yonghong</a:t>
+            </a:r>
+            <a:r>
+              <a:rPr lang="en-US" altLang="ja-JP" sz="1800" dirty="0" smtClean="0">
+                <a:latin typeface="+mj-ea"/>
+              </a:rPr>
+              <a:t> Tian</a:t>
+            </a:r>
+            <a:r>
+              <a:rPr lang="ja-JP" altLang="en-US" sz="1800" dirty="0" smtClean="0">
+                <a:latin typeface="+mj-ea"/>
+                <a:ea typeface="+mj-ea"/>
+              </a:rPr>
+              <a:t>「</a:t>
+            </a:r>
+            <a:r>
+              <a:rPr lang="en-US" altLang="ja-JP" sz="1800" dirty="0">
+                <a:latin typeface="+mj-ea"/>
+                <a:ea typeface="+mj-ea"/>
+              </a:rPr>
+              <a:t>CNN vs. SIFT for Image Retrieval: Alternative or</a:t>
+            </a:r>
+            <a:r>
+              <a:rPr lang="ja-JP" altLang="en-US" sz="1800" dirty="0">
+                <a:latin typeface="+mj-ea"/>
+                <a:ea typeface="+mj-ea"/>
+              </a:rPr>
+              <a:t> </a:t>
+            </a:r>
+            <a:r>
+              <a:rPr lang="en-US" altLang="ja-JP" sz="1800" dirty="0">
+                <a:latin typeface="+mj-ea"/>
+                <a:ea typeface="+mj-ea"/>
+              </a:rPr>
+              <a:t>Complementary?</a:t>
+            </a:r>
+            <a:r>
+              <a:rPr lang="ja-JP" altLang="en-US" sz="1800" dirty="0" smtClean="0">
+                <a:latin typeface="+mj-ea"/>
+                <a:ea typeface="+mj-ea"/>
+              </a:rPr>
+              <a:t>」，</a:t>
+            </a:r>
+            <a:r>
+              <a:rPr lang="en-US" altLang="ja-JP" sz="1800" dirty="0">
+                <a:solidFill>
+                  <a:srgbClr val="333333"/>
+                </a:solidFill>
+                <a:latin typeface="+mj-ea"/>
+              </a:rPr>
+              <a:t> </a:t>
+            </a:r>
+          </a:p>
+          <a:p>
+            <a:pPr marL="0" indent="0" algn="just">
+              <a:buNone/>
+            </a:pPr>
+            <a:r>
+              <a:rPr lang="ja-JP" altLang="en-US" sz="1800" dirty="0" smtClean="0">
+                <a:solidFill>
+                  <a:srgbClr val="333333"/>
+                </a:solidFill>
+                <a:latin typeface="+mj-ea"/>
+              </a:rPr>
+              <a:t>　</a:t>
+            </a:r>
+            <a:r>
+              <a:rPr lang="en-US" altLang="ja-JP" sz="1800" dirty="0" smtClean="0">
+                <a:solidFill>
+                  <a:srgbClr val="333333"/>
+                </a:solidFill>
+                <a:latin typeface="+mj-ea"/>
+              </a:rPr>
+              <a:t>MM </a:t>
+            </a:r>
+            <a:r>
+              <a:rPr lang="en-US" altLang="ja-JP" sz="1800" dirty="0">
+                <a:solidFill>
+                  <a:srgbClr val="333333"/>
+                </a:solidFill>
+                <a:latin typeface="+mj-ea"/>
+              </a:rPr>
+              <a:t>‘16: Proceedings of the 24th ACM international </a:t>
+            </a:r>
+            <a:r>
+              <a:rPr lang="en-US" altLang="ja-JP" sz="1800" dirty="0" smtClean="0">
+                <a:solidFill>
+                  <a:srgbClr val="333333"/>
+                </a:solidFill>
+                <a:latin typeface="+mj-ea"/>
+              </a:rPr>
+              <a:t>conference </a:t>
+            </a:r>
+            <a:r>
+              <a:rPr lang="en-US" altLang="ja-JP" sz="1800" dirty="0">
+                <a:solidFill>
+                  <a:srgbClr val="333333"/>
+                </a:solidFill>
+                <a:latin typeface="+mj-ea"/>
+              </a:rPr>
+              <a:t>on </a:t>
+            </a:r>
+            <a:r>
+              <a:rPr lang="en-US" altLang="ja-JP" sz="1800" dirty="0" smtClean="0">
+                <a:solidFill>
+                  <a:srgbClr val="333333"/>
+                </a:solidFill>
+                <a:latin typeface="+mj-ea"/>
+              </a:rPr>
+              <a:t>Multimedia</a:t>
+            </a:r>
+            <a:r>
+              <a:rPr lang="ja-JP" altLang="en-US" sz="1800" dirty="0" err="1" smtClean="0">
+                <a:solidFill>
+                  <a:srgbClr val="333333"/>
+                </a:solidFill>
+                <a:latin typeface="+mj-ea"/>
+              </a:rPr>
+              <a:t>，</a:t>
+            </a:r>
+            <a:r>
+              <a:rPr lang="en-US" altLang="ja-JP" sz="1800" dirty="0" smtClean="0">
+                <a:solidFill>
+                  <a:srgbClr val="333333"/>
+                </a:solidFill>
+                <a:latin typeface="+mj-ea"/>
+              </a:rPr>
+              <a:t>pp.407-pp.411</a:t>
+            </a:r>
+            <a:r>
+              <a:rPr lang="ja-JP" altLang="en-US" sz="1800" dirty="0" err="1" smtClean="0">
+                <a:solidFill>
+                  <a:srgbClr val="333333"/>
+                </a:solidFill>
+                <a:latin typeface="+mj-ea"/>
+              </a:rPr>
+              <a:t>，</a:t>
+            </a:r>
+            <a:r>
+              <a:rPr kumimoji="1" lang="en-US" altLang="ja-JP" sz="1800" dirty="0" smtClean="0">
+                <a:latin typeface="+mj-ea"/>
+                <a:ea typeface="+mj-ea"/>
+              </a:rPr>
+              <a:t>2016/10/01 </a:t>
+            </a:r>
+            <a:endParaRPr lang="en-US" altLang="ja-JP" sz="1800" dirty="0">
+              <a:solidFill>
+                <a:srgbClr val="333333"/>
+              </a:solidFill>
+              <a:latin typeface="+mj-ea"/>
+              <a:ea typeface="+mj-ea"/>
+            </a:endParaRPr>
+          </a:p>
+          <a:p>
+            <a:pPr marL="0" indent="0">
+              <a:buNone/>
+            </a:pPr>
+            <a:r>
+              <a:rPr lang="ja-JP" altLang="en-US" sz="1800" dirty="0">
+                <a:latin typeface="+mj-ea"/>
+                <a:ea typeface="+mj-ea"/>
+              </a:rPr>
+              <a:t>　　</a:t>
+            </a:r>
+            <a:endParaRPr kumimoji="1" lang="ja-JP" altLang="en-US" sz="1800" dirty="0">
+              <a:latin typeface="+mj-ea"/>
+              <a:ea typeface="+mj-ea"/>
+            </a:endParaRPr>
+          </a:p>
+        </p:txBody>
+      </p:sp>
+      <p:sp>
+        <p:nvSpPr>
+          <p:cNvPr id="4" name="スライド番号プレースホルダー 3"/>
+          <p:cNvSpPr>
+            <a:spLocks noGrp="1"/>
+          </p:cNvSpPr>
+          <p:nvPr>
+            <p:ph type="sldNum" sz="quarter" idx="12"/>
+          </p:nvPr>
+        </p:nvSpPr>
+        <p:spPr/>
+        <p:txBody>
+          <a:bodyPr/>
+          <a:lstStyle/>
+          <a:p>
+            <a:fld id="{B4451160-128F-4DAD-AE29-4A8CC0E7B9E9}" type="slidenum">
+              <a:rPr kumimoji="1" lang="ja-JP" altLang="en-US" sz="3200" smtClean="0"/>
+              <a:t>2</a:t>
+            </a:fld>
+            <a:endParaRPr kumimoji="1" lang="ja-JP" altLang="en-US" sz="3200" dirty="0"/>
+          </a:p>
+        </p:txBody>
+      </p:sp>
+    </p:spTree>
+    <p:extLst>
+      <p:ext uri="{BB962C8B-B14F-4D97-AF65-F5344CB8AC3E}">
+        <p14:creationId xmlns:p14="http://schemas.microsoft.com/office/powerpoint/2010/main" val="524967261"/>
+      </p:ext>
+    </p:extLst>
+  </p:cSld>
+  <p:clrMapOvr>
+    <a:masterClrMapping/>
+  </p:clrMapOvr>
+  <mc:AlternateContent xmlns:mc="http://schemas.openxmlformats.org/markup-compatibility/2006">
+    <mc:Choice xmlns:p14="http://schemas.microsoft.com/office/powerpoint/2010/main" Requires="p14">
+      <p:transition spd="slow" p14:dur="2000"/>
+    </mc:Choice>
+    <mc:Fallback>
+      <p:transition spd="slow"/>
+    </mc:Fallback>
+  </mc:AlternateContent>
+  <p:timing>
+    <p:tnLst>
+      <p:par>
+        <p:cTn id="1" dur="indefinite" restart="never" nodeType="tmRoot"/>
+      </p:par>
+    </p:tnLst>
+  </p:timing>
+</p:sld>
+</file>
+
+<file path=ppt/slides/slide20.xml><?xml version="1.0" encoding="utf-8"?>
 <p:sld xmlns:a="http://schemas.openxmlformats.org/drawingml/2006/main" xmlns:r="http://schemas.openxmlformats.org/officeDocument/2006/relationships" xmlns:p="http://schemas.openxmlformats.org/presentationml/2006/main">
   <p:cSld>
     <p:spTree>
@@ -5721,9 +6723,10 @@
           <a:lstStyle/>
           <a:p>
             <a:r>
-              <a:rPr kumimoji="1" lang="ja-JP" altLang="en-US" dirty="0"/>
-              <a:t>関連研究</a:t>
-            </a:r>
+              <a:rPr kumimoji="1" lang="ja-JP" altLang="en-US" dirty="0" smtClean="0"/>
+              <a:t>課題点</a:t>
+            </a:r>
+            <a:endParaRPr kumimoji="1" lang="ja-JP" altLang="en-US" dirty="0"/>
           </a:p>
         </p:txBody>
       </p:sp>
@@ -5739,637 +6742,26 @@
         </p:nvSpPr>
         <p:spPr/>
         <p:txBody>
-          <a:bodyPr>
-            <a:normAutofit lnSpcReduction="10000"/>
-          </a:bodyPr>
-          <a:lstStyle/>
-          <a:p>
-            <a:r>
-              <a:rPr lang="ja-JP" altLang="en-US" sz="1800" dirty="0">
-                <a:latin typeface="+mj-ea"/>
-                <a:ea typeface="+mj-ea"/>
-              </a:rPr>
-              <a:t>深層学習による画像</a:t>
-            </a:r>
-            <a:r>
-              <a:rPr lang="ja-JP" altLang="en-US" sz="1800" dirty="0" smtClean="0">
-                <a:latin typeface="+mj-ea"/>
-                <a:ea typeface="+mj-ea"/>
-              </a:rPr>
-              <a:t>認識，特徴量抽出</a:t>
-            </a:r>
-            <a:r>
-              <a:rPr lang="en-US" altLang="ja-JP" sz="1800" dirty="0">
-                <a:latin typeface="+mj-ea"/>
-                <a:ea typeface="+mj-ea"/>
-              </a:rPr>
-              <a:t/>
-            </a:r>
-            <a:br>
-              <a:rPr lang="en-US" altLang="ja-JP" sz="1800" dirty="0">
-                <a:latin typeface="+mj-ea"/>
-                <a:ea typeface="+mj-ea"/>
-              </a:rPr>
-            </a:br>
-            <a:r>
-              <a:rPr lang="en-US" altLang="ja-JP" sz="1800" dirty="0">
-                <a:latin typeface="+mj-ea"/>
-                <a:ea typeface="+mj-ea"/>
-              </a:rPr>
-              <a:t>[</a:t>
-            </a:r>
-            <a:r>
-              <a:rPr lang="ja-JP" altLang="en-US" sz="1800" dirty="0">
-                <a:latin typeface="+mj-ea"/>
-                <a:ea typeface="+mj-ea"/>
-              </a:rPr>
-              <a:t>中山</a:t>
-            </a:r>
-            <a:r>
-              <a:rPr lang="en-US" altLang="ja-JP" sz="1800" dirty="0">
-                <a:latin typeface="+mj-ea"/>
-                <a:ea typeface="+mj-ea"/>
-              </a:rPr>
-              <a:t>2015] </a:t>
-            </a:r>
-            <a:r>
-              <a:rPr lang="ja-JP" altLang="en-US" sz="1800" dirty="0">
-                <a:latin typeface="+mj-ea"/>
-                <a:ea typeface="+mj-ea"/>
-              </a:rPr>
-              <a:t>中山秀樹，「深層畳み込みニューラルネットワークによる画像特徴抽出と転移学習」，信学技報，</a:t>
-            </a:r>
-            <a:r>
-              <a:rPr lang="en-US" altLang="ja-JP" sz="1800" dirty="0">
-                <a:latin typeface="+mj-ea"/>
-                <a:ea typeface="+mj-ea"/>
-              </a:rPr>
-              <a:t>pp.1-pp.6</a:t>
-            </a:r>
-            <a:r>
-              <a:rPr lang="ja-JP" altLang="en-US" sz="1800" dirty="0">
-                <a:latin typeface="+mj-ea"/>
-                <a:ea typeface="+mj-ea"/>
-              </a:rPr>
-              <a:t>，</a:t>
-            </a:r>
-            <a:r>
-              <a:rPr lang="en-US" altLang="ja-JP" sz="1800" dirty="0">
-                <a:latin typeface="+mj-ea"/>
-                <a:ea typeface="+mj-ea"/>
-              </a:rPr>
-              <a:t>2015</a:t>
-            </a:r>
-          </a:p>
-          <a:p>
-            <a:endParaRPr kumimoji="1" lang="en-US" altLang="ja-JP" sz="1800" dirty="0">
-              <a:latin typeface="+mj-ea"/>
-              <a:ea typeface="+mj-ea"/>
-            </a:endParaRPr>
-          </a:p>
-          <a:p>
-            <a:r>
-              <a:rPr kumimoji="1" lang="en-US" altLang="ja-JP" sz="1800" dirty="0">
-                <a:latin typeface="+mj-ea"/>
-                <a:ea typeface="+mj-ea"/>
-              </a:rPr>
-              <a:t>SIFT</a:t>
-            </a:r>
-            <a:r>
-              <a:rPr kumimoji="1" lang="ja-JP" altLang="en-US" sz="1800" dirty="0">
-                <a:latin typeface="+mj-ea"/>
-                <a:ea typeface="+mj-ea"/>
-              </a:rPr>
-              <a:t>による画像特徴抽出</a:t>
-            </a:r>
-            <a:r>
-              <a:rPr kumimoji="1" lang="en-US" altLang="ja-JP" sz="1800" dirty="0">
-                <a:latin typeface="+mj-ea"/>
-                <a:ea typeface="+mj-ea"/>
-              </a:rPr>
-              <a:t/>
-            </a:r>
-            <a:br>
-              <a:rPr kumimoji="1" lang="en-US" altLang="ja-JP" sz="1800" dirty="0">
-                <a:latin typeface="+mj-ea"/>
-                <a:ea typeface="+mj-ea"/>
-              </a:rPr>
-            </a:br>
-            <a:r>
-              <a:rPr kumimoji="1" lang="en-US" altLang="ja-JP" sz="1800" dirty="0">
-                <a:latin typeface="+mj-ea"/>
-                <a:ea typeface="+mj-ea"/>
-              </a:rPr>
-              <a:t>[</a:t>
-            </a:r>
-            <a:r>
-              <a:rPr kumimoji="1" lang="ja-JP" altLang="en-US" sz="1800" dirty="0">
-                <a:latin typeface="+mj-ea"/>
-                <a:ea typeface="+mj-ea"/>
-              </a:rPr>
-              <a:t>藤吉</a:t>
-            </a:r>
-            <a:r>
-              <a:rPr kumimoji="1" lang="en-US" altLang="ja-JP" sz="1800" dirty="0">
-                <a:latin typeface="+mj-ea"/>
-                <a:ea typeface="+mj-ea"/>
-              </a:rPr>
-              <a:t>2007</a:t>
-            </a:r>
-            <a:r>
-              <a:rPr kumimoji="1" lang="en-US" altLang="ja-JP" sz="1800" dirty="0" smtClean="0">
-                <a:latin typeface="+mj-ea"/>
-                <a:ea typeface="+mj-ea"/>
-              </a:rPr>
-              <a:t>]</a:t>
-            </a:r>
-            <a:r>
-              <a:rPr kumimoji="1" lang="ja-JP" altLang="en-US" sz="1800" dirty="0" smtClean="0">
-                <a:latin typeface="+mj-ea"/>
-                <a:ea typeface="+mj-ea"/>
-              </a:rPr>
-              <a:t>　</a:t>
-            </a:r>
-            <a:r>
-              <a:rPr lang="ja-JP" altLang="en-US" sz="1800" dirty="0" smtClean="0">
-                <a:latin typeface="+mj-ea"/>
-                <a:ea typeface="+mj-ea"/>
-              </a:rPr>
-              <a:t>藤吉 </a:t>
-            </a:r>
-            <a:r>
-              <a:rPr lang="ja-JP" altLang="en-US" sz="1800" dirty="0">
-                <a:latin typeface="+mj-ea"/>
-                <a:ea typeface="+mj-ea"/>
-              </a:rPr>
-              <a:t>弘</a:t>
-            </a:r>
-            <a:r>
-              <a:rPr lang="ja-JP" altLang="en-US" sz="1800" dirty="0" smtClean="0">
-                <a:latin typeface="+mj-ea"/>
-                <a:ea typeface="+mj-ea"/>
-              </a:rPr>
-              <a:t>亘，</a:t>
-            </a:r>
-            <a:r>
-              <a:rPr kumimoji="1" lang="ja-JP" altLang="en-US" sz="1800" dirty="0" smtClean="0">
-                <a:latin typeface="+mj-ea"/>
-                <a:ea typeface="+mj-ea"/>
-              </a:rPr>
-              <a:t>「</a:t>
-            </a:r>
-            <a:r>
-              <a:rPr kumimoji="1" lang="en-US" altLang="ja-JP" sz="1800" dirty="0">
-                <a:latin typeface="+mj-ea"/>
-                <a:ea typeface="+mj-ea"/>
-              </a:rPr>
-              <a:t>Gradient</a:t>
-            </a:r>
-            <a:r>
-              <a:rPr kumimoji="1" lang="ja-JP" altLang="en-US" sz="1800" dirty="0">
-                <a:latin typeface="+mj-ea"/>
-                <a:ea typeface="+mj-ea"/>
-              </a:rPr>
-              <a:t>ベースの特徴抽出　</a:t>
-            </a:r>
-            <a:r>
-              <a:rPr kumimoji="1" lang="en-US" altLang="ja-JP" sz="1800" dirty="0">
-                <a:latin typeface="+mj-ea"/>
-                <a:ea typeface="+mj-ea"/>
-              </a:rPr>
-              <a:t>–SIFT</a:t>
-            </a:r>
-            <a:r>
-              <a:rPr kumimoji="1" lang="ja-JP" altLang="en-US" sz="1800" dirty="0">
-                <a:latin typeface="+mj-ea"/>
-                <a:ea typeface="+mj-ea"/>
-              </a:rPr>
-              <a:t>と</a:t>
-            </a:r>
-            <a:r>
-              <a:rPr kumimoji="1" lang="en-US" altLang="ja-JP" sz="1800" dirty="0">
-                <a:latin typeface="+mj-ea"/>
-                <a:ea typeface="+mj-ea"/>
-              </a:rPr>
-              <a:t>HOG-</a:t>
-            </a:r>
-            <a:r>
-              <a:rPr kumimoji="1" lang="ja-JP" altLang="en-US" sz="1800" dirty="0" smtClean="0">
-                <a:latin typeface="+mj-ea"/>
-                <a:ea typeface="+mj-ea"/>
-              </a:rPr>
-              <a:t>」</a:t>
-            </a:r>
-            <a:r>
-              <a:rPr lang="ja-JP" altLang="en-US" sz="1800" dirty="0">
-                <a:latin typeface="+mj-ea"/>
-                <a:ea typeface="+mj-ea"/>
-              </a:rPr>
-              <a:t>，</a:t>
-            </a:r>
-            <a:r>
-              <a:rPr kumimoji="1" lang="ja-JP" altLang="en-US" sz="1800" dirty="0" smtClean="0">
-                <a:latin typeface="+mj-ea"/>
-                <a:ea typeface="+mj-ea"/>
-              </a:rPr>
-              <a:t>社団法人　情報</a:t>
-            </a:r>
-            <a:r>
-              <a:rPr kumimoji="1" lang="ja-JP" altLang="en-US" sz="1800" dirty="0">
-                <a:latin typeface="+mj-ea"/>
-                <a:ea typeface="+mj-ea"/>
-              </a:rPr>
-              <a:t>処理学会　研究</a:t>
-            </a:r>
-            <a:r>
-              <a:rPr kumimoji="1" lang="ja-JP" altLang="en-US" sz="1800" dirty="0" smtClean="0">
-                <a:latin typeface="+mj-ea"/>
-                <a:ea typeface="+mj-ea"/>
-              </a:rPr>
-              <a:t>報告，</a:t>
-            </a:r>
-            <a:r>
-              <a:rPr kumimoji="1" lang="en-US" altLang="ja-JP" sz="1800" dirty="0" smtClean="0">
-                <a:latin typeface="+mj-ea"/>
-                <a:ea typeface="+mj-ea"/>
-              </a:rPr>
-              <a:t>pp.1-pp.14</a:t>
-            </a:r>
-            <a:r>
-              <a:rPr lang="ja-JP" altLang="en-US" sz="1800" dirty="0" err="1">
-                <a:latin typeface="+mj-ea"/>
-                <a:ea typeface="+mj-ea"/>
-              </a:rPr>
-              <a:t>，</a:t>
-            </a:r>
-            <a:r>
-              <a:rPr lang="en-US" altLang="ja-JP" sz="1800" dirty="0" smtClean="0">
-                <a:latin typeface="+mj-ea"/>
-              </a:rPr>
-              <a:t>2007/9/4</a:t>
-            </a:r>
-            <a:endParaRPr kumimoji="1" lang="en-US" altLang="ja-JP" sz="1800" dirty="0">
-              <a:latin typeface="+mj-ea"/>
-              <a:ea typeface="+mj-ea"/>
-            </a:endParaRPr>
-          </a:p>
-          <a:p>
-            <a:pPr marL="0" indent="0">
-              <a:buNone/>
-            </a:pPr>
-            <a:r>
-              <a:rPr lang="ja-JP" altLang="en-US" sz="1800" dirty="0">
-                <a:latin typeface="+mj-ea"/>
-                <a:ea typeface="+mj-ea"/>
-              </a:rPr>
-              <a:t>　　</a:t>
-            </a:r>
-            <a:endParaRPr kumimoji="1" lang="en-US" altLang="ja-JP" sz="1800" dirty="0">
-              <a:latin typeface="+mj-ea"/>
-              <a:ea typeface="+mj-ea"/>
-            </a:endParaRPr>
-          </a:p>
-          <a:p>
-            <a:r>
-              <a:rPr lang="ja-JP" altLang="en-US" sz="1800" dirty="0">
-                <a:latin typeface="+mj-ea"/>
-                <a:ea typeface="+mj-ea"/>
-              </a:rPr>
-              <a:t>深層学習と</a:t>
-            </a:r>
-            <a:r>
-              <a:rPr lang="en-US" altLang="ja-JP" sz="1800" dirty="0">
-                <a:latin typeface="+mj-ea"/>
-                <a:ea typeface="+mj-ea"/>
-              </a:rPr>
-              <a:t>SIFT</a:t>
-            </a:r>
-            <a:r>
-              <a:rPr lang="ja-JP" altLang="en-US" sz="1800" dirty="0">
-                <a:latin typeface="+mj-ea"/>
-                <a:ea typeface="+mj-ea"/>
-              </a:rPr>
-              <a:t>の性能評価</a:t>
-            </a:r>
-            <a:r>
-              <a:rPr lang="en-US" altLang="ja-JP" sz="1800" dirty="0">
-                <a:latin typeface="+mj-ea"/>
-                <a:ea typeface="+mj-ea"/>
-              </a:rPr>
-              <a:t/>
-            </a:r>
-            <a:br>
-              <a:rPr lang="en-US" altLang="ja-JP" sz="1800" dirty="0">
-                <a:latin typeface="+mj-ea"/>
-                <a:ea typeface="+mj-ea"/>
-              </a:rPr>
-            </a:br>
-            <a:r>
-              <a:rPr lang="en-US" altLang="ja-JP" sz="1800" dirty="0">
-                <a:latin typeface="+mj-ea"/>
-                <a:ea typeface="+mj-ea"/>
-              </a:rPr>
-              <a:t>[Ke2016</a:t>
-            </a:r>
-            <a:r>
-              <a:rPr lang="en-US" altLang="ja-JP" sz="1800" dirty="0" smtClean="0">
-                <a:latin typeface="+mj-ea"/>
-                <a:ea typeface="+mj-ea"/>
-              </a:rPr>
-              <a:t>]</a:t>
-            </a:r>
-            <a:r>
-              <a:rPr lang="en-US" altLang="ja-JP" sz="1800" dirty="0">
-                <a:latin typeface="+mj-ea"/>
-              </a:rPr>
-              <a:t> </a:t>
-            </a:r>
-            <a:r>
-              <a:rPr lang="en-US" altLang="ja-JP" sz="1800" dirty="0" err="1">
-                <a:latin typeface="+mj-ea"/>
-              </a:rPr>
-              <a:t>Ke</a:t>
-            </a:r>
-            <a:r>
-              <a:rPr lang="en-US" altLang="ja-JP" sz="1800" dirty="0">
-                <a:latin typeface="+mj-ea"/>
-              </a:rPr>
-              <a:t> </a:t>
-            </a:r>
-            <a:r>
-              <a:rPr lang="en-US" altLang="ja-JP" sz="1800" dirty="0" smtClean="0">
-                <a:latin typeface="+mj-ea"/>
-              </a:rPr>
-              <a:t>Yan</a:t>
-            </a:r>
-            <a:r>
-              <a:rPr lang="ja-JP" altLang="en-US" sz="1800" dirty="0" err="1" smtClean="0">
-                <a:latin typeface="+mj-ea"/>
-              </a:rPr>
-              <a:t>，</a:t>
-            </a:r>
-            <a:r>
-              <a:rPr lang="en-US" altLang="ja-JP" sz="1800" dirty="0" err="1" smtClean="0">
-                <a:latin typeface="+mj-ea"/>
-              </a:rPr>
-              <a:t>Yaowei</a:t>
-            </a:r>
-            <a:r>
-              <a:rPr lang="en-US" altLang="ja-JP" sz="1800" dirty="0" smtClean="0">
-                <a:latin typeface="+mj-ea"/>
-              </a:rPr>
-              <a:t> </a:t>
-            </a:r>
-            <a:r>
-              <a:rPr lang="en-US" altLang="ja-JP" sz="1800" dirty="0">
-                <a:latin typeface="+mj-ea"/>
-              </a:rPr>
-              <a:t>Wang</a:t>
-            </a:r>
-            <a:r>
-              <a:rPr lang="en-US" altLang="ja-JP" sz="800" dirty="0" smtClean="0">
-                <a:latin typeface="+mj-ea"/>
-              </a:rPr>
-              <a:t>;</a:t>
-            </a:r>
-            <a:r>
-              <a:rPr lang="ja-JP" altLang="en-US" sz="1800" dirty="0">
-                <a:latin typeface="+mj-ea"/>
-              </a:rPr>
-              <a:t>，</a:t>
-            </a:r>
-            <a:r>
-              <a:rPr lang="en-US" altLang="ja-JP" sz="1800" dirty="0" smtClean="0">
-                <a:latin typeface="+mj-ea"/>
-              </a:rPr>
-              <a:t> </a:t>
-            </a:r>
-            <a:r>
-              <a:rPr lang="en-US" altLang="ja-JP" sz="1800" dirty="0" err="1">
-                <a:latin typeface="+mj-ea"/>
-              </a:rPr>
-              <a:t>Dawei</a:t>
-            </a:r>
-            <a:r>
-              <a:rPr lang="en-US" altLang="ja-JP" sz="1800" dirty="0">
-                <a:latin typeface="+mj-ea"/>
-              </a:rPr>
-              <a:t> </a:t>
-            </a:r>
-            <a:r>
-              <a:rPr lang="en-US" altLang="ja-JP" sz="1800" dirty="0" smtClean="0">
-                <a:latin typeface="+mj-ea"/>
-              </a:rPr>
-              <a:t>Liang</a:t>
-            </a:r>
-            <a:r>
-              <a:rPr lang="ja-JP" altLang="en-US" sz="1800" dirty="0" err="1" smtClean="0">
-                <a:latin typeface="+mj-ea"/>
-              </a:rPr>
-              <a:t>，</a:t>
-            </a:r>
-            <a:r>
-              <a:rPr lang="en-US" altLang="ja-JP" sz="1800" dirty="0" smtClean="0">
-                <a:latin typeface="+mj-ea"/>
-              </a:rPr>
-              <a:t> </a:t>
-            </a:r>
-            <a:r>
-              <a:rPr lang="en-US" altLang="ja-JP" sz="1800" dirty="0" err="1">
-                <a:latin typeface="+mj-ea"/>
-              </a:rPr>
-              <a:t>Tiejun</a:t>
-            </a:r>
-            <a:r>
-              <a:rPr lang="en-US" altLang="ja-JP" sz="1800" dirty="0">
-                <a:latin typeface="+mj-ea"/>
-              </a:rPr>
-              <a:t> </a:t>
-            </a:r>
-            <a:r>
-              <a:rPr lang="en-US" altLang="ja-JP" sz="1800" dirty="0" smtClean="0">
-                <a:latin typeface="+mj-ea"/>
-              </a:rPr>
-              <a:t>Huang</a:t>
-            </a:r>
-            <a:r>
-              <a:rPr lang="ja-JP" altLang="en-US" sz="1800" dirty="0" err="1" smtClean="0">
-                <a:latin typeface="+mj-ea"/>
-              </a:rPr>
-              <a:t>，</a:t>
-            </a:r>
-            <a:r>
-              <a:rPr lang="en-US" altLang="ja-JP" sz="1800" dirty="0" err="1" smtClean="0">
-                <a:latin typeface="+mj-ea"/>
-              </a:rPr>
-              <a:t>Yonghong</a:t>
-            </a:r>
-            <a:r>
-              <a:rPr lang="en-US" altLang="ja-JP" sz="1800" dirty="0" smtClean="0">
-                <a:latin typeface="+mj-ea"/>
-              </a:rPr>
-              <a:t> Tian</a:t>
-            </a:r>
-            <a:r>
-              <a:rPr lang="ja-JP" altLang="en-US" sz="1800" dirty="0" smtClean="0">
-                <a:latin typeface="+mj-ea"/>
-                <a:ea typeface="+mj-ea"/>
-              </a:rPr>
-              <a:t>「</a:t>
-            </a:r>
-            <a:r>
-              <a:rPr lang="en-US" altLang="ja-JP" sz="1800" dirty="0">
-                <a:latin typeface="+mj-ea"/>
-                <a:ea typeface="+mj-ea"/>
-              </a:rPr>
-              <a:t>CNN vs. SIFT for Image Retrieval: Alternative or</a:t>
-            </a:r>
-            <a:r>
-              <a:rPr lang="ja-JP" altLang="en-US" sz="1800" dirty="0">
-                <a:latin typeface="+mj-ea"/>
-                <a:ea typeface="+mj-ea"/>
-              </a:rPr>
-              <a:t> </a:t>
-            </a:r>
-            <a:r>
-              <a:rPr lang="en-US" altLang="ja-JP" sz="1800" dirty="0">
-                <a:latin typeface="+mj-ea"/>
-                <a:ea typeface="+mj-ea"/>
-              </a:rPr>
-              <a:t>Complementary?</a:t>
-            </a:r>
-            <a:r>
-              <a:rPr lang="ja-JP" altLang="en-US" sz="1800" dirty="0" smtClean="0">
-                <a:latin typeface="+mj-ea"/>
-                <a:ea typeface="+mj-ea"/>
-              </a:rPr>
-              <a:t>」，</a:t>
-            </a:r>
-            <a:r>
-              <a:rPr lang="en-US" altLang="ja-JP" sz="1800" dirty="0">
-                <a:solidFill>
-                  <a:srgbClr val="333333"/>
-                </a:solidFill>
-                <a:latin typeface="+mj-ea"/>
-              </a:rPr>
-              <a:t> </a:t>
-            </a:r>
-          </a:p>
-          <a:p>
-            <a:pPr marL="0" indent="0" algn="just">
-              <a:buNone/>
-            </a:pPr>
-            <a:r>
-              <a:rPr lang="ja-JP" altLang="en-US" sz="1800" dirty="0" smtClean="0">
-                <a:solidFill>
-                  <a:srgbClr val="333333"/>
-                </a:solidFill>
-                <a:latin typeface="+mj-ea"/>
-              </a:rPr>
-              <a:t>　</a:t>
-            </a:r>
-            <a:r>
-              <a:rPr lang="en-US" altLang="ja-JP" sz="1800" dirty="0" smtClean="0">
-                <a:solidFill>
-                  <a:srgbClr val="333333"/>
-                </a:solidFill>
-                <a:latin typeface="+mj-ea"/>
-              </a:rPr>
-              <a:t>MM </a:t>
-            </a:r>
-            <a:r>
-              <a:rPr lang="en-US" altLang="ja-JP" sz="1800" dirty="0">
-                <a:solidFill>
-                  <a:srgbClr val="333333"/>
-                </a:solidFill>
-                <a:latin typeface="+mj-ea"/>
-              </a:rPr>
-              <a:t>‘16: Proceedings of the 24th ACM international </a:t>
-            </a:r>
-            <a:r>
-              <a:rPr lang="en-US" altLang="ja-JP" sz="1800" dirty="0" smtClean="0">
-                <a:solidFill>
-                  <a:srgbClr val="333333"/>
-                </a:solidFill>
-                <a:latin typeface="+mj-ea"/>
-              </a:rPr>
-              <a:t>conference </a:t>
-            </a:r>
-            <a:r>
-              <a:rPr lang="en-US" altLang="ja-JP" sz="1800" dirty="0">
-                <a:solidFill>
-                  <a:srgbClr val="333333"/>
-                </a:solidFill>
-                <a:latin typeface="+mj-ea"/>
-              </a:rPr>
-              <a:t>on </a:t>
-            </a:r>
-            <a:r>
-              <a:rPr lang="en-US" altLang="ja-JP" sz="1800" dirty="0" smtClean="0">
-                <a:solidFill>
-                  <a:srgbClr val="333333"/>
-                </a:solidFill>
-                <a:latin typeface="+mj-ea"/>
-              </a:rPr>
-              <a:t>Multimedia</a:t>
-            </a:r>
-            <a:r>
-              <a:rPr lang="ja-JP" altLang="en-US" sz="1800" dirty="0" err="1" smtClean="0">
-                <a:solidFill>
-                  <a:srgbClr val="333333"/>
-                </a:solidFill>
-                <a:latin typeface="+mj-ea"/>
-              </a:rPr>
-              <a:t>，</a:t>
-            </a:r>
-            <a:r>
-              <a:rPr lang="en-US" altLang="ja-JP" sz="1800" dirty="0" smtClean="0">
-                <a:solidFill>
-                  <a:srgbClr val="333333"/>
-                </a:solidFill>
-                <a:latin typeface="+mj-ea"/>
-              </a:rPr>
-              <a:t>pp.407-pp.411</a:t>
-            </a:r>
-            <a:r>
-              <a:rPr lang="ja-JP" altLang="en-US" sz="1800" dirty="0" err="1" smtClean="0">
-                <a:solidFill>
-                  <a:srgbClr val="333333"/>
-                </a:solidFill>
-                <a:latin typeface="+mj-ea"/>
-              </a:rPr>
-              <a:t>，</a:t>
-            </a:r>
-            <a:r>
-              <a:rPr kumimoji="1" lang="en-US" altLang="ja-JP" sz="1800" dirty="0" smtClean="0">
-                <a:latin typeface="+mj-ea"/>
-                <a:ea typeface="+mj-ea"/>
-              </a:rPr>
-              <a:t>2016/10/01 </a:t>
-            </a:r>
-            <a:endParaRPr lang="en-US" altLang="ja-JP" sz="1800" dirty="0">
-              <a:solidFill>
-                <a:srgbClr val="333333"/>
-              </a:solidFill>
-              <a:latin typeface="+mj-ea"/>
-              <a:ea typeface="+mj-ea"/>
-            </a:endParaRPr>
-          </a:p>
-          <a:p>
-            <a:pPr marL="0" indent="0">
-              <a:buNone/>
-            </a:pPr>
-            <a:r>
-              <a:rPr lang="ja-JP" altLang="en-US" sz="1800" dirty="0">
-                <a:latin typeface="+mj-ea"/>
-                <a:ea typeface="+mj-ea"/>
-              </a:rPr>
-              <a:t>　　</a:t>
-            </a:r>
-            <a:endParaRPr kumimoji="1" lang="ja-JP" altLang="en-US" sz="1800" dirty="0">
-              <a:latin typeface="+mj-ea"/>
-              <a:ea typeface="+mj-ea"/>
-            </a:endParaRPr>
+          <a:bodyPr/>
+          <a:lstStyle/>
+          <a:p>
+            <a:r>
+              <a:rPr kumimoji="1" lang="ja-JP" altLang="en-US" dirty="0" smtClean="0"/>
+              <a:t>実際に，抽出したベクトルがどのような情報を持っているのか．</a:t>
+            </a:r>
+            <a:endParaRPr kumimoji="1" lang="en-US" altLang="ja-JP" dirty="0" smtClean="0"/>
+          </a:p>
+          <a:p>
+            <a:pPr lvl="1"/>
+            <a:r>
+              <a:rPr lang="ja-JP" altLang="en-US" dirty="0"/>
+              <a:t>どの様に調べる</a:t>
+            </a:r>
+            <a:r>
+              <a:rPr lang="ja-JP" altLang="en-US" dirty="0" smtClean="0"/>
+              <a:t>か．</a:t>
+            </a:r>
+            <a:endParaRPr kumimoji="1" lang="en-US" altLang="ja-JP" dirty="0" smtClean="0"/>
           </a:p>
         </p:txBody>
       </p:sp>
@@ -6388,18 +6780,18 @@
           <a:bodyPr/>
           <a:lstStyle/>
           <a:p>
-            <a:fld id="{B4451160-128F-4DAD-AE29-4A8CC0E7B9E9}" type="slidenum">
-              <a:rPr kumimoji="1" lang="ja-JP" altLang="en-US" sz="3200" smtClean="0"/>
-              <a:t>2</a:t>
+            <a:fld id="{768BF403-63E9-4BE6-AA0B-408C483EA9DC}" type="slidenum">
+              <a:rPr kumimoji="1" lang="ja-JP" altLang="en-US" smtClean="0"/>
+              <a:t>20</a:t>
             </a:fld>
-            <a:endParaRPr kumimoji="1" lang="ja-JP" altLang="en-US" sz="3200" dirty="0"/>
+            <a:endParaRPr kumimoji="1" lang="ja-JP" altLang="en-US"/>
           </a:p>
         </p:txBody>
       </p:sp>
     </p:spTree>
     <p:extLst>
       <p:ext uri="{BB962C8B-B14F-4D97-AF65-F5344CB8AC3E}">
-        <p14:creationId xmlns:p14="http://schemas.microsoft.com/office/powerpoint/2010/main" val="524967261"/>
+        <p14:creationId xmlns:p14="http://schemas.microsoft.com/office/powerpoint/2010/main" val="2434178047"/>
       </p:ext>
     </p:extLst>
   </p:cSld>
@@ -6504,6 +6896,29 @@
           </a:p>
           <a:p>
             <a:endParaRPr kumimoji="1" lang="ja-JP" altLang="en-US" dirty="0"/>
+          </a:p>
+        </p:txBody>
+      </p:sp>
+      <p:sp>
+        <p:nvSpPr>
+          <p:cNvPr id="4" name="スライド番号プレースホルダー 3"/>
+          <p:cNvSpPr>
+            <a:spLocks noGrp="1"/>
+          </p:cNvSpPr>
+          <p:nvPr>
+            <p:ph type="sldNum" sz="quarter" idx="12"/>
+          </p:nvPr>
+        </p:nvSpPr>
+        <p:spPr/>
+        <p:txBody>
+          <a:bodyPr/>
+          <a:lstStyle/>
+          <a:p>
+            <a:fld id="{768BF403-63E9-4BE6-AA0B-408C483EA9DC}" type="slidenum">
+              <a:rPr kumimoji="1" lang="ja-JP" altLang="en-US" smtClean="0"/>
+              <a:t>3</a:t>
+            </a:fld>
+            <a:endParaRPr kumimoji="1" lang="ja-JP" altLang="en-US"/>
           </a:p>
         </p:txBody>
       </p:sp>
@@ -6651,6 +7066,29 @@
           </a:p>
         </p:txBody>
       </p:sp>
+      <p:sp>
+        <p:nvSpPr>
+          <p:cNvPr id="4" name="スライド番号プレースホルダー 3"/>
+          <p:cNvSpPr>
+            <a:spLocks noGrp="1"/>
+          </p:cNvSpPr>
+          <p:nvPr>
+            <p:ph type="sldNum" sz="quarter" idx="12"/>
+          </p:nvPr>
+        </p:nvSpPr>
+        <p:spPr/>
+        <p:txBody>
+          <a:bodyPr/>
+          <a:lstStyle/>
+          <a:p>
+            <a:fld id="{768BF403-63E9-4BE6-AA0B-408C483EA9DC}" type="slidenum">
+              <a:rPr kumimoji="1" lang="ja-JP" altLang="en-US" smtClean="0"/>
+              <a:t>4</a:t>
+            </a:fld>
+            <a:endParaRPr kumimoji="1" lang="ja-JP" altLang="en-US"/>
+          </a:p>
+        </p:txBody>
+      </p:sp>
     </p:spTree>
     <p:extLst>
       <p:ext uri="{BB962C8B-B14F-4D97-AF65-F5344CB8AC3E}">
@@ -6752,6 +7190,29 @@
           </a:p>
         </p:txBody>
       </p:sp>
+      <p:sp>
+        <p:nvSpPr>
+          <p:cNvPr id="4" name="スライド番号プレースホルダー 3"/>
+          <p:cNvSpPr>
+            <a:spLocks noGrp="1"/>
+          </p:cNvSpPr>
+          <p:nvPr>
+            <p:ph type="sldNum" sz="quarter" idx="12"/>
+          </p:nvPr>
+        </p:nvSpPr>
+        <p:spPr/>
+        <p:txBody>
+          <a:bodyPr/>
+          <a:lstStyle/>
+          <a:p>
+            <a:fld id="{768BF403-63E9-4BE6-AA0B-408C483EA9DC}" type="slidenum">
+              <a:rPr kumimoji="1" lang="ja-JP" altLang="en-US" smtClean="0"/>
+              <a:t>5</a:t>
+            </a:fld>
+            <a:endParaRPr kumimoji="1" lang="ja-JP" altLang="en-US"/>
+          </a:p>
+        </p:txBody>
+      </p:sp>
     </p:spTree>
     <p:extLst>
       <p:ext uri="{BB962C8B-B14F-4D97-AF65-F5344CB8AC3E}">
@@ -7111,6 +7572,29 @@
               <a:t>.</a:t>
             </a:r>
             <a:endParaRPr kumimoji="1" lang="ja-JP" altLang="en-US" dirty="0"/>
+          </a:p>
+        </p:txBody>
+      </p:sp>
+      <p:sp>
+        <p:nvSpPr>
+          <p:cNvPr id="4" name="スライド番号プレースホルダー 3"/>
+          <p:cNvSpPr>
+            <a:spLocks noGrp="1"/>
+          </p:cNvSpPr>
+          <p:nvPr>
+            <p:ph type="sldNum" sz="quarter" idx="12"/>
+          </p:nvPr>
+        </p:nvSpPr>
+        <p:spPr/>
+        <p:txBody>
+          <a:bodyPr/>
+          <a:lstStyle/>
+          <a:p>
+            <a:fld id="{768BF403-63E9-4BE6-AA0B-408C483EA9DC}" type="slidenum">
+              <a:rPr kumimoji="1" lang="ja-JP" altLang="en-US" smtClean="0"/>
+              <a:t>7</a:t>
+            </a:fld>
+            <a:endParaRPr kumimoji="1" lang="ja-JP" altLang="en-US"/>
           </a:p>
         </p:txBody>
       </p:sp>
